--- a/DSC530_Final_T_Ferrill.pptx
+++ b/DSC530_Final_T_Ferrill.pptx
@@ -231,7 +231,7 @@
           <a:p>
             <a:fld id="{B6B2A585-3CA6-47BC-9F36-BED1A134AE89}" type="datetimeFigureOut">
               <a:rPr lang="en-US" smtClean="0"/>
-              <a:t>2/25/2020</a:t>
+              <a:t>2/26/2020</a:t>
             </a:fld>
             <a:endParaRPr lang="en-US"/>
           </a:p>
@@ -717,7 +717,7 @@
             <a:fld id="{53074F12-AA26-4AC8-9962-C36BB8F32554}" type="datetimeFigureOut">
               <a:rPr lang="en-US" smtClean="0"/>
               <a:pPr/>
-              <a:t>2/25/2020</a:t>
+              <a:t>2/26/2020</a:t>
             </a:fld>
             <a:endParaRPr lang="en-US"/>
           </a:p>
@@ -971,7 +971,7 @@
             <a:fld id="{53074F12-AA26-4AC8-9962-C36BB8F32554}" type="datetimeFigureOut">
               <a:rPr lang="en-US" smtClean="0"/>
               <a:pPr/>
-              <a:t>2/25/2020</a:t>
+              <a:t>2/26/2020</a:t>
             </a:fld>
             <a:endParaRPr lang="en-US"/>
           </a:p>
@@ -1141,7 +1141,7 @@
             <a:fld id="{53074F12-AA26-4AC8-9962-C36BB8F32554}" type="datetimeFigureOut">
               <a:rPr lang="en-US" smtClean="0"/>
               <a:pPr/>
-              <a:t>2/25/2020</a:t>
+              <a:t>2/26/2020</a:t>
             </a:fld>
             <a:endParaRPr lang="en-US"/>
           </a:p>
@@ -1321,7 +1321,7 @@
             <a:fld id="{53074F12-AA26-4AC8-9962-C36BB8F32554}" type="datetimeFigureOut">
               <a:rPr lang="en-US" smtClean="0"/>
               <a:pPr/>
-              <a:t>2/25/2020</a:t>
+              <a:t>2/26/2020</a:t>
             </a:fld>
             <a:endParaRPr lang="en-US"/>
           </a:p>
@@ -1603,7 +1603,7 @@
             <a:fld id="{53074F12-AA26-4AC8-9962-C36BB8F32554}" type="datetimeFigureOut">
               <a:rPr lang="en-US" smtClean="0"/>
               <a:pPr/>
-              <a:t>2/25/2020</a:t>
+              <a:t>2/26/2020</a:t>
             </a:fld>
             <a:endParaRPr lang="en-US"/>
           </a:p>
@@ -1850,7 +1850,7 @@
             <a:fld id="{53074F12-AA26-4AC8-9962-C36BB8F32554}" type="datetimeFigureOut">
               <a:rPr lang="en-US" smtClean="0"/>
               <a:pPr/>
-              <a:t>2/25/2020</a:t>
+              <a:t>2/26/2020</a:t>
             </a:fld>
             <a:endParaRPr lang="en-US"/>
           </a:p>
@@ -2097,7 +2097,7 @@
             <a:fld id="{53074F12-AA26-4AC8-9962-C36BB8F32554}" type="datetimeFigureOut">
               <a:rPr lang="en-US" smtClean="0"/>
               <a:pPr/>
-              <a:t>2/25/2020</a:t>
+              <a:t>2/26/2020</a:t>
             </a:fld>
             <a:endParaRPr lang="en-US"/>
           </a:p>
@@ -2384,7 +2384,7 @@
             <a:fld id="{53074F12-AA26-4AC8-9962-C36BB8F32554}" type="datetimeFigureOut">
               <a:rPr lang="en-US" smtClean="0"/>
               <a:pPr/>
-              <a:t>2/25/2020</a:t>
+              <a:t>2/26/2020</a:t>
             </a:fld>
             <a:endParaRPr lang="en-US"/>
           </a:p>
@@ -2871,7 +2871,7 @@
             <a:fld id="{53074F12-AA26-4AC8-9962-C36BB8F32554}" type="datetimeFigureOut">
               <a:rPr lang="en-US" smtClean="0"/>
               <a:pPr/>
-              <a:t>2/25/2020</a:t>
+              <a:t>2/26/2020</a:t>
             </a:fld>
             <a:endParaRPr lang="en-US"/>
           </a:p>
@@ -2990,7 +2990,7 @@
             <a:fld id="{53074F12-AA26-4AC8-9962-C36BB8F32554}" type="datetimeFigureOut">
               <a:rPr lang="en-US" smtClean="0"/>
               <a:pPr/>
-              <a:t>2/25/2020</a:t>
+              <a:t>2/26/2020</a:t>
             </a:fld>
             <a:endParaRPr lang="en-US"/>
           </a:p>
@@ -3087,7 +3087,7 @@
             <a:fld id="{53074F12-AA26-4AC8-9962-C36BB8F32554}" type="datetimeFigureOut">
               <a:rPr lang="en-US" smtClean="0"/>
               <a:pPr/>
-              <a:t>2/25/2020</a:t>
+              <a:t>2/26/2020</a:t>
             </a:fld>
             <a:endParaRPr lang="en-US"/>
           </a:p>
@@ -3364,7 +3364,7 @@
             <a:fld id="{53074F12-AA26-4AC8-9962-C36BB8F32554}" type="datetimeFigureOut">
               <a:rPr lang="en-US" smtClean="0"/>
               <a:pPr/>
-              <a:t>2/25/2020</a:t>
+              <a:t>2/26/2020</a:t>
             </a:fld>
             <a:endParaRPr lang="en-US"/>
           </a:p>
@@ -3586,7 +3586,7 @@
             <a:fld id="{53074F12-AA26-4AC8-9962-C36BB8F32554}" type="datetimeFigureOut">
               <a:rPr lang="en-US" smtClean="0"/>
               <a:pPr/>
-              <a:t>2/25/2020</a:t>
+              <a:t>2/26/2020</a:t>
             </a:fld>
             <a:endParaRPr lang="en-US"/>
           </a:p>
@@ -4035,14 +4035,14 @@
           <a:p>
             <a:r>
               <a:rPr lang="en-US" dirty="0"/>
-              <a:t>What Makes Wine </a:t>
+              <a:t>What Affects Wine </a:t>
             </a:r>
             <a:br>
               <a:rPr lang="en-US" dirty="0"/>
             </a:br>
             <a:r>
               <a:rPr lang="en-US" dirty="0"/>
-              <a:t>Taste Good</a:t>
+              <a:t>Quality</a:t>
             </a:r>
           </a:p>
         </p:txBody>
@@ -4071,7 +4071,7 @@
           <a:p>
             <a:r>
               <a:rPr lang="en-US" dirty="0"/>
-              <a:t>A Physiochemical Study</a:t>
+              <a:t>A Physicochemical  Analysis</a:t>
             </a:r>
             <a:br>
               <a:rPr lang="en-US" dirty="0"/>
@@ -4227,8 +4227,8 @@
         </p:blipFill>
         <p:spPr>
           <a:xfrm>
-            <a:off x="4663745" y="1388210"/>
-            <a:ext cx="3714750" cy="2543175"/>
+            <a:off x="4663745" y="1407990"/>
+            <a:ext cx="3714750" cy="2503614"/>
           </a:xfrm>
           <a:prstGeom prst="rect">
             <a:avLst/>
@@ -4394,8 +4394,8 @@
         </p:blipFill>
         <p:spPr>
           <a:xfrm>
-            <a:off x="4489458" y="1502815"/>
-            <a:ext cx="3900167" cy="2543175"/>
+            <a:off x="4590813" y="1502815"/>
+            <a:ext cx="3697457" cy="2543175"/>
           </a:xfrm>
           <a:prstGeom prst="rect">
             <a:avLst/>
@@ -7045,7 +7045,7 @@
           <a:p>
             <a:r>
               <a:rPr lang="en-US" dirty="0"/>
-              <a:t>University of California Irvine’s Machine Learning Repository (UCI)</a:t>
+              <a:t>University of California Irvine’s Machine Learning Repository (UCI, 2009)</a:t>
             </a:r>
           </a:p>
           <a:p>
@@ -7065,7 +7065,7 @@
           <a:p>
             <a:r>
               <a:rPr lang="en-US" dirty="0"/>
-              <a:t>Dataset based based on wines produced at </a:t>
+              <a:t>Dataset based on wines produced at </a:t>
             </a:r>
             <a:r>
               <a:rPr lang="en-US" dirty="0" err="1"/>
@@ -7726,7 +7726,7 @@
           <a:p>
             <a:r>
               <a:rPr lang="en-US" dirty="0"/>
-              <a:t>Results of analysis</a:t>
+              <a:t>Determined use of these input variables</a:t>
             </a:r>
           </a:p>
           <a:p>
@@ -7867,7 +7867,7 @@
           <a:p>
             <a:r>
               <a:rPr lang="en-US" dirty="0"/>
-              <a:t>Meaning of variables (Admin):</a:t>
+              <a:t>Meaning of variables (Admin, 2013):</a:t>
             </a:r>
           </a:p>
           <a:p>
@@ -8043,8 +8043,8 @@
         </p:blipFill>
         <p:spPr>
           <a:xfrm>
-            <a:off x="4704279" y="1445665"/>
-            <a:ext cx="3838051" cy="2543175"/>
+            <a:off x="4704279" y="1457608"/>
+            <a:ext cx="3838051" cy="2519288"/>
           </a:xfrm>
           <a:prstGeom prst="rect">
             <a:avLst/>

--- a/DSC530_Final_T_Ferrill.pptx
+++ b/DSC530_Final_T_Ferrill.pptx
@@ -231,7 +231,7 @@
           <a:p>
             <a:fld id="{B6B2A585-3CA6-47BC-9F36-BED1A134AE89}" type="datetimeFigureOut">
               <a:rPr lang="en-US" smtClean="0"/>
-              <a:t>2/26/2020</a:t>
+              <a:t>2/27/2020</a:t>
             </a:fld>
             <a:endParaRPr lang="en-US"/>
           </a:p>
@@ -717,7 +717,7 @@
             <a:fld id="{53074F12-AA26-4AC8-9962-C36BB8F32554}" type="datetimeFigureOut">
               <a:rPr lang="en-US" smtClean="0"/>
               <a:pPr/>
-              <a:t>2/26/2020</a:t>
+              <a:t>2/27/2020</a:t>
             </a:fld>
             <a:endParaRPr lang="en-US"/>
           </a:p>
@@ -971,7 +971,7 @@
             <a:fld id="{53074F12-AA26-4AC8-9962-C36BB8F32554}" type="datetimeFigureOut">
               <a:rPr lang="en-US" smtClean="0"/>
               <a:pPr/>
-              <a:t>2/26/2020</a:t>
+              <a:t>2/27/2020</a:t>
             </a:fld>
             <a:endParaRPr lang="en-US"/>
           </a:p>
@@ -1141,7 +1141,7 @@
             <a:fld id="{53074F12-AA26-4AC8-9962-C36BB8F32554}" type="datetimeFigureOut">
               <a:rPr lang="en-US" smtClean="0"/>
               <a:pPr/>
-              <a:t>2/26/2020</a:t>
+              <a:t>2/27/2020</a:t>
             </a:fld>
             <a:endParaRPr lang="en-US"/>
           </a:p>
@@ -1321,7 +1321,7 @@
             <a:fld id="{53074F12-AA26-4AC8-9962-C36BB8F32554}" type="datetimeFigureOut">
               <a:rPr lang="en-US" smtClean="0"/>
               <a:pPr/>
-              <a:t>2/26/2020</a:t>
+              <a:t>2/27/2020</a:t>
             </a:fld>
             <a:endParaRPr lang="en-US"/>
           </a:p>
@@ -1603,7 +1603,7 @@
             <a:fld id="{53074F12-AA26-4AC8-9962-C36BB8F32554}" type="datetimeFigureOut">
               <a:rPr lang="en-US" smtClean="0"/>
               <a:pPr/>
-              <a:t>2/26/2020</a:t>
+              <a:t>2/27/2020</a:t>
             </a:fld>
             <a:endParaRPr lang="en-US"/>
           </a:p>
@@ -1850,7 +1850,7 @@
             <a:fld id="{53074F12-AA26-4AC8-9962-C36BB8F32554}" type="datetimeFigureOut">
               <a:rPr lang="en-US" smtClean="0"/>
               <a:pPr/>
-              <a:t>2/26/2020</a:t>
+              <a:t>2/27/2020</a:t>
             </a:fld>
             <a:endParaRPr lang="en-US"/>
           </a:p>
@@ -2097,7 +2097,7 @@
             <a:fld id="{53074F12-AA26-4AC8-9962-C36BB8F32554}" type="datetimeFigureOut">
               <a:rPr lang="en-US" smtClean="0"/>
               <a:pPr/>
-              <a:t>2/26/2020</a:t>
+              <a:t>2/27/2020</a:t>
             </a:fld>
             <a:endParaRPr lang="en-US"/>
           </a:p>
@@ -2384,7 +2384,7 @@
             <a:fld id="{53074F12-AA26-4AC8-9962-C36BB8F32554}" type="datetimeFigureOut">
               <a:rPr lang="en-US" smtClean="0"/>
               <a:pPr/>
-              <a:t>2/26/2020</a:t>
+              <a:t>2/27/2020</a:t>
             </a:fld>
             <a:endParaRPr lang="en-US"/>
           </a:p>
@@ -2871,7 +2871,7 @@
             <a:fld id="{53074F12-AA26-4AC8-9962-C36BB8F32554}" type="datetimeFigureOut">
               <a:rPr lang="en-US" smtClean="0"/>
               <a:pPr/>
-              <a:t>2/26/2020</a:t>
+              <a:t>2/27/2020</a:t>
             </a:fld>
             <a:endParaRPr lang="en-US"/>
           </a:p>
@@ -2990,7 +2990,7 @@
             <a:fld id="{53074F12-AA26-4AC8-9962-C36BB8F32554}" type="datetimeFigureOut">
               <a:rPr lang="en-US" smtClean="0"/>
               <a:pPr/>
-              <a:t>2/26/2020</a:t>
+              <a:t>2/27/2020</a:t>
             </a:fld>
             <a:endParaRPr lang="en-US"/>
           </a:p>
@@ -3087,7 +3087,7 @@
             <a:fld id="{53074F12-AA26-4AC8-9962-C36BB8F32554}" type="datetimeFigureOut">
               <a:rPr lang="en-US" smtClean="0"/>
               <a:pPr/>
-              <a:t>2/26/2020</a:t>
+              <a:t>2/27/2020</a:t>
             </a:fld>
             <a:endParaRPr lang="en-US"/>
           </a:p>
@@ -3364,7 +3364,7 @@
             <a:fld id="{53074F12-AA26-4AC8-9962-C36BB8F32554}" type="datetimeFigureOut">
               <a:rPr lang="en-US" smtClean="0"/>
               <a:pPr/>
-              <a:t>2/26/2020</a:t>
+              <a:t>2/27/2020</a:t>
             </a:fld>
             <a:endParaRPr lang="en-US"/>
           </a:p>
@@ -3586,7 +3586,7 @@
             <a:fld id="{53074F12-AA26-4AC8-9962-C36BB8F32554}" type="datetimeFigureOut">
               <a:rPr lang="en-US" smtClean="0"/>
               <a:pPr/>
-              <a:t>2/26/2020</a:t>
+              <a:t>2/27/2020</a:t>
             </a:fld>
             <a:endParaRPr lang="en-US"/>
           </a:p>
@@ -6193,7 +6193,7 @@
         </p:spPr>
         <p:txBody>
           <a:bodyPr>
-            <a:normAutofit fontScale="92500" lnSpcReduction="20000"/>
+            <a:normAutofit fontScale="85000" lnSpcReduction="20000"/>
           </a:bodyPr>
           <a:lstStyle/>
           <a:p>
@@ -6275,6 +6275,13 @@
               <a:rPr lang="en-US" sz="2200" dirty="0"/>
               <a:t>Conclusion</a:t>
             </a:r>
+          </a:p>
+          <a:p>
+            <a:r>
+              <a:rPr lang="en-US" sz="2200"/>
+              <a:t>References</a:t>
+            </a:r>
+            <a:endParaRPr lang="en-US" sz="2200" dirty="0"/>
           </a:p>
           <a:p>
             <a:endParaRPr lang="en-US" dirty="0"/>
